--- a/fujian/按钮BUTTON.pptx
+++ b/fujian/按钮BUTTON.pptx
@@ -260,7 +260,7 @@
           <a:p>
             <a:fld id="{284A7B5E-02A5-4EC8-B12A-0B86AB4D9403}" type="datetimeFigureOut">
               <a:rPr lang="zh-CN" altLang="en-US" smtClean="0"/>
-              <a:t>2023/6/10</a:t>
+              <a:t>2023/6/14</a:t>
             </a:fld>
             <a:endParaRPr lang="zh-CN" altLang="en-US"/>
           </a:p>
@@ -458,7 +458,7 @@
           <a:p>
             <a:fld id="{284A7B5E-02A5-4EC8-B12A-0B86AB4D9403}" type="datetimeFigureOut">
               <a:rPr lang="zh-CN" altLang="en-US" smtClean="0"/>
-              <a:t>2023/6/10</a:t>
+              <a:t>2023/6/14</a:t>
             </a:fld>
             <a:endParaRPr lang="zh-CN" altLang="en-US"/>
           </a:p>
@@ -666,7 +666,7 @@
           <a:p>
             <a:fld id="{284A7B5E-02A5-4EC8-B12A-0B86AB4D9403}" type="datetimeFigureOut">
               <a:rPr lang="zh-CN" altLang="en-US" smtClean="0"/>
-              <a:t>2023/6/10</a:t>
+              <a:t>2023/6/14</a:t>
             </a:fld>
             <a:endParaRPr lang="zh-CN" altLang="en-US"/>
           </a:p>
@@ -864,7 +864,7 @@
           <a:p>
             <a:fld id="{284A7B5E-02A5-4EC8-B12A-0B86AB4D9403}" type="datetimeFigureOut">
               <a:rPr lang="zh-CN" altLang="en-US" smtClean="0"/>
-              <a:t>2023/6/10</a:t>
+              <a:t>2023/6/14</a:t>
             </a:fld>
             <a:endParaRPr lang="zh-CN" altLang="en-US"/>
           </a:p>
@@ -1139,7 +1139,7 @@
           <a:p>
             <a:fld id="{284A7B5E-02A5-4EC8-B12A-0B86AB4D9403}" type="datetimeFigureOut">
               <a:rPr lang="zh-CN" altLang="en-US" smtClean="0"/>
-              <a:t>2023/6/10</a:t>
+              <a:t>2023/6/14</a:t>
             </a:fld>
             <a:endParaRPr lang="zh-CN" altLang="en-US"/>
           </a:p>
@@ -1404,7 +1404,7 @@
           <a:p>
             <a:fld id="{284A7B5E-02A5-4EC8-B12A-0B86AB4D9403}" type="datetimeFigureOut">
               <a:rPr lang="zh-CN" altLang="en-US" smtClean="0"/>
-              <a:t>2023/6/10</a:t>
+              <a:t>2023/6/14</a:t>
             </a:fld>
             <a:endParaRPr lang="zh-CN" altLang="en-US"/>
           </a:p>
@@ -1816,7 +1816,7 @@
           <a:p>
             <a:fld id="{284A7B5E-02A5-4EC8-B12A-0B86AB4D9403}" type="datetimeFigureOut">
               <a:rPr lang="zh-CN" altLang="en-US" smtClean="0"/>
-              <a:t>2023/6/10</a:t>
+              <a:t>2023/6/14</a:t>
             </a:fld>
             <a:endParaRPr lang="zh-CN" altLang="en-US"/>
           </a:p>
@@ -1957,7 +1957,7 @@
           <a:p>
             <a:fld id="{284A7B5E-02A5-4EC8-B12A-0B86AB4D9403}" type="datetimeFigureOut">
               <a:rPr lang="zh-CN" altLang="en-US" smtClean="0"/>
-              <a:t>2023/6/10</a:t>
+              <a:t>2023/6/14</a:t>
             </a:fld>
             <a:endParaRPr lang="zh-CN" altLang="en-US"/>
           </a:p>
@@ -2070,7 +2070,7 @@
           <a:p>
             <a:fld id="{284A7B5E-02A5-4EC8-B12A-0B86AB4D9403}" type="datetimeFigureOut">
               <a:rPr lang="zh-CN" altLang="en-US" smtClean="0"/>
-              <a:t>2023/6/10</a:t>
+              <a:t>2023/6/14</a:t>
             </a:fld>
             <a:endParaRPr lang="zh-CN" altLang="en-US"/>
           </a:p>
@@ -2381,7 +2381,7 @@
           <a:p>
             <a:fld id="{284A7B5E-02A5-4EC8-B12A-0B86AB4D9403}" type="datetimeFigureOut">
               <a:rPr lang="zh-CN" altLang="en-US" smtClean="0"/>
-              <a:t>2023/6/10</a:t>
+              <a:t>2023/6/14</a:t>
             </a:fld>
             <a:endParaRPr lang="zh-CN" altLang="en-US"/>
           </a:p>
@@ -2669,7 +2669,7 @@
           <a:p>
             <a:fld id="{284A7B5E-02A5-4EC8-B12A-0B86AB4D9403}" type="datetimeFigureOut">
               <a:rPr lang="zh-CN" altLang="en-US" smtClean="0"/>
-              <a:t>2023/6/10</a:t>
+              <a:t>2023/6/14</a:t>
             </a:fld>
             <a:endParaRPr lang="zh-CN" altLang="en-US"/>
           </a:p>
@@ -2910,7 +2910,7 @@
           <a:p>
             <a:fld id="{284A7B5E-02A5-4EC8-B12A-0B86AB4D9403}" type="datetimeFigureOut">
               <a:rPr lang="zh-CN" altLang="en-US" smtClean="0"/>
-              <a:t>2023/6/10</a:t>
+              <a:t>2023/6/14</a:t>
             </a:fld>
             <a:endParaRPr lang="zh-CN" altLang="en-US"/>
           </a:p>
@@ -3987,6 +3987,62 @@
           </a:p>
         </p:txBody>
       </p:sp>
+      <p:sp>
+        <p:nvSpPr>
+          <p:cNvPr id="3" name="矩形: 圆角 2">
+            <a:extLst>
+              <a:ext uri="{FF2B5EF4-FFF2-40B4-BE49-F238E27FC236}">
+                <a16:creationId xmlns:a16="http://schemas.microsoft.com/office/drawing/2014/main" id="{724BD1C9-71E9-AEC6-F186-41469DCBA8E0}"/>
+              </a:ext>
+            </a:extLst>
+          </p:cNvPr>
+          <p:cNvSpPr/>
+          <p:nvPr/>
+        </p:nvSpPr>
+        <p:spPr>
+          <a:xfrm>
+            <a:off x="9415512" y="3528077"/>
+            <a:ext cx="2714017" cy="1245141"/>
+          </a:xfrm>
+          <a:prstGeom prst="roundRect">
+            <a:avLst/>
+          </a:prstGeom>
+          <a:solidFill>
+            <a:srgbClr val="8EFF05"/>
+          </a:solidFill>
+        </p:spPr>
+        <p:style>
+          <a:lnRef idx="2">
+            <a:schemeClr val="accent6">
+              <a:shade val="15000"/>
+            </a:schemeClr>
+          </a:lnRef>
+          <a:fillRef idx="1">
+            <a:schemeClr val="accent6"/>
+          </a:fillRef>
+          <a:effectRef idx="0">
+            <a:schemeClr val="accent6"/>
+          </a:effectRef>
+          <a:fontRef idx="minor">
+            <a:schemeClr val="lt1"/>
+          </a:fontRef>
+        </p:style>
+        <p:txBody>
+          <a:bodyPr rtlCol="0" anchor="ctr"/>
+          <a:lstStyle/>
+          <a:p>
+            <a:pPr algn="ctr"/>
+            <a:r>
+              <a:rPr lang="zh-CN" altLang="en-US" sz="4400" dirty="0">
+                <a:solidFill>
+                  <a:schemeClr val="bg1"/>
+                </a:solidFill>
+              </a:rPr>
+              <a:t>返回</a:t>
+            </a:r>
+          </a:p>
+        </p:txBody>
+      </p:sp>
     </p:spTree>
     <p:extLst>
       <p:ext uri="{BB962C8B-B14F-4D97-AF65-F5344CB8AC3E}">
@@ -4630,6 +4686,65 @@
                 </a:solidFill>
               </a:rPr>
               <a:t>进入游戏</a:t>
+            </a:r>
+          </a:p>
+        </p:txBody>
+      </p:sp>
+      <p:sp>
+        <p:nvSpPr>
+          <p:cNvPr id="3" name="矩形: 圆角 2">
+            <a:extLst>
+              <a:ext uri="{FF2B5EF4-FFF2-40B4-BE49-F238E27FC236}">
+                <a16:creationId xmlns:a16="http://schemas.microsoft.com/office/drawing/2014/main" id="{565687D9-5D4D-48E1-2F14-98DCEB1DEAAA}"/>
+              </a:ext>
+            </a:extLst>
+          </p:cNvPr>
+          <p:cNvSpPr/>
+          <p:nvPr/>
+        </p:nvSpPr>
+        <p:spPr>
+          <a:xfrm>
+            <a:off x="9415512" y="3528077"/>
+            <a:ext cx="2714017" cy="1245141"/>
+          </a:xfrm>
+          <a:prstGeom prst="roundRect">
+            <a:avLst/>
+          </a:prstGeom>
+          <a:noFill/>
+          <a:ln>
+            <a:solidFill>
+              <a:schemeClr val="tx1"/>
+            </a:solidFill>
+          </a:ln>
+        </p:spPr>
+        <p:style>
+          <a:lnRef idx="2">
+            <a:schemeClr val="accent6">
+              <a:shade val="15000"/>
+            </a:schemeClr>
+          </a:lnRef>
+          <a:fillRef idx="1">
+            <a:schemeClr val="accent6"/>
+          </a:fillRef>
+          <a:effectRef idx="0">
+            <a:schemeClr val="accent6"/>
+          </a:effectRef>
+          <a:fontRef idx="minor">
+            <a:schemeClr val="lt1"/>
+          </a:fontRef>
+        </p:style>
+        <p:txBody>
+          <a:bodyPr rtlCol="0" anchor="ctr"/>
+          <a:lstStyle/>
+          <a:p>
+            <a:pPr algn="ctr"/>
+            <a:r>
+              <a:rPr lang="zh-CN" altLang="en-US" sz="4400" dirty="0">
+                <a:solidFill>
+                  <a:srgbClr val="8EFF05"/>
+                </a:solidFill>
+              </a:rPr>
+              <a:t>返回</a:t>
             </a:r>
           </a:p>
         </p:txBody>

--- a/fujian/按钮BUTTON.pptx
+++ b/fujian/按钮BUTTON.pptx
@@ -260,7 +260,7 @@
           <a:p>
             <a:fld id="{284A7B5E-02A5-4EC8-B12A-0B86AB4D9403}" type="datetimeFigureOut">
               <a:rPr lang="zh-CN" altLang="en-US" smtClean="0"/>
-              <a:t>2023/6/14</a:t>
+              <a:t>2023/6/15</a:t>
             </a:fld>
             <a:endParaRPr lang="zh-CN" altLang="en-US"/>
           </a:p>
@@ -458,7 +458,7 @@
           <a:p>
             <a:fld id="{284A7B5E-02A5-4EC8-B12A-0B86AB4D9403}" type="datetimeFigureOut">
               <a:rPr lang="zh-CN" altLang="en-US" smtClean="0"/>
-              <a:t>2023/6/14</a:t>
+              <a:t>2023/6/15</a:t>
             </a:fld>
             <a:endParaRPr lang="zh-CN" altLang="en-US"/>
           </a:p>
@@ -666,7 +666,7 @@
           <a:p>
             <a:fld id="{284A7B5E-02A5-4EC8-B12A-0B86AB4D9403}" type="datetimeFigureOut">
               <a:rPr lang="zh-CN" altLang="en-US" smtClean="0"/>
-              <a:t>2023/6/14</a:t>
+              <a:t>2023/6/15</a:t>
             </a:fld>
             <a:endParaRPr lang="zh-CN" altLang="en-US"/>
           </a:p>
@@ -864,7 +864,7 @@
           <a:p>
             <a:fld id="{284A7B5E-02A5-4EC8-B12A-0B86AB4D9403}" type="datetimeFigureOut">
               <a:rPr lang="zh-CN" altLang="en-US" smtClean="0"/>
-              <a:t>2023/6/14</a:t>
+              <a:t>2023/6/15</a:t>
             </a:fld>
             <a:endParaRPr lang="zh-CN" altLang="en-US"/>
           </a:p>
@@ -1139,7 +1139,7 @@
           <a:p>
             <a:fld id="{284A7B5E-02A5-4EC8-B12A-0B86AB4D9403}" type="datetimeFigureOut">
               <a:rPr lang="zh-CN" altLang="en-US" smtClean="0"/>
-              <a:t>2023/6/14</a:t>
+              <a:t>2023/6/15</a:t>
             </a:fld>
             <a:endParaRPr lang="zh-CN" altLang="en-US"/>
           </a:p>
@@ -1404,7 +1404,7 @@
           <a:p>
             <a:fld id="{284A7B5E-02A5-4EC8-B12A-0B86AB4D9403}" type="datetimeFigureOut">
               <a:rPr lang="zh-CN" altLang="en-US" smtClean="0"/>
-              <a:t>2023/6/14</a:t>
+              <a:t>2023/6/15</a:t>
             </a:fld>
             <a:endParaRPr lang="zh-CN" altLang="en-US"/>
           </a:p>
@@ -1816,7 +1816,7 @@
           <a:p>
             <a:fld id="{284A7B5E-02A5-4EC8-B12A-0B86AB4D9403}" type="datetimeFigureOut">
               <a:rPr lang="zh-CN" altLang="en-US" smtClean="0"/>
-              <a:t>2023/6/14</a:t>
+              <a:t>2023/6/15</a:t>
             </a:fld>
             <a:endParaRPr lang="zh-CN" altLang="en-US"/>
           </a:p>
@@ -1957,7 +1957,7 @@
           <a:p>
             <a:fld id="{284A7B5E-02A5-4EC8-B12A-0B86AB4D9403}" type="datetimeFigureOut">
               <a:rPr lang="zh-CN" altLang="en-US" smtClean="0"/>
-              <a:t>2023/6/14</a:t>
+              <a:t>2023/6/15</a:t>
             </a:fld>
             <a:endParaRPr lang="zh-CN" altLang="en-US"/>
           </a:p>
@@ -2070,7 +2070,7 @@
           <a:p>
             <a:fld id="{284A7B5E-02A5-4EC8-B12A-0B86AB4D9403}" type="datetimeFigureOut">
               <a:rPr lang="zh-CN" altLang="en-US" smtClean="0"/>
-              <a:t>2023/6/14</a:t>
+              <a:t>2023/6/15</a:t>
             </a:fld>
             <a:endParaRPr lang="zh-CN" altLang="en-US"/>
           </a:p>
@@ -2381,7 +2381,7 @@
           <a:p>
             <a:fld id="{284A7B5E-02A5-4EC8-B12A-0B86AB4D9403}" type="datetimeFigureOut">
               <a:rPr lang="zh-CN" altLang="en-US" smtClean="0"/>
-              <a:t>2023/6/14</a:t>
+              <a:t>2023/6/15</a:t>
             </a:fld>
             <a:endParaRPr lang="zh-CN" altLang="en-US"/>
           </a:p>
@@ -2669,7 +2669,7 @@
           <a:p>
             <a:fld id="{284A7B5E-02A5-4EC8-B12A-0B86AB4D9403}" type="datetimeFigureOut">
               <a:rPr lang="zh-CN" altLang="en-US" smtClean="0"/>
-              <a:t>2023/6/14</a:t>
+              <a:t>2023/6/15</a:t>
             </a:fld>
             <a:endParaRPr lang="zh-CN" altLang="en-US"/>
           </a:p>
@@ -2910,7 +2910,7 @@
           <a:p>
             <a:fld id="{284A7B5E-02A5-4EC8-B12A-0B86AB4D9403}" type="datetimeFigureOut">
               <a:rPr lang="zh-CN" altLang="en-US" smtClean="0"/>
-              <a:t>2023/6/14</a:t>
+              <a:t>2023/6/15</a:t>
             </a:fld>
             <a:endParaRPr lang="zh-CN" altLang="en-US"/>
           </a:p>
@@ -4043,6 +4043,81 @@
           </a:p>
         </p:txBody>
       </p:sp>
+      <p:sp>
+        <p:nvSpPr>
+          <p:cNvPr id="5" name="矩形: 圆角 4">
+            <a:extLst>
+              <a:ext uri="{FF2B5EF4-FFF2-40B4-BE49-F238E27FC236}">
+                <a16:creationId xmlns:a16="http://schemas.microsoft.com/office/drawing/2014/main" id="{F0C06EF4-EB53-E22C-CCC8-BE79B6610CA8}"/>
+              </a:ext>
+            </a:extLst>
+          </p:cNvPr>
+          <p:cNvSpPr/>
+          <p:nvPr/>
+        </p:nvSpPr>
+        <p:spPr>
+          <a:xfrm>
+            <a:off x="2703479" y="2490276"/>
+            <a:ext cx="2714017" cy="1245141"/>
+          </a:xfrm>
+          <a:prstGeom prst="roundRect">
+            <a:avLst/>
+          </a:prstGeom>
+          <a:solidFill>
+            <a:schemeClr val="accent4">
+              <a:lumMod val="40000"/>
+              <a:lumOff val="60000"/>
+            </a:schemeClr>
+          </a:solidFill>
+        </p:spPr>
+        <p:style>
+          <a:lnRef idx="2">
+            <a:schemeClr val="accent5">
+              <a:shade val="15000"/>
+            </a:schemeClr>
+          </a:lnRef>
+          <a:fillRef idx="1">
+            <a:schemeClr val="accent5"/>
+          </a:fillRef>
+          <a:effectRef idx="0">
+            <a:schemeClr val="accent5"/>
+          </a:effectRef>
+          <a:fontRef idx="minor">
+            <a:schemeClr val="lt1"/>
+          </a:fontRef>
+        </p:style>
+        <p:txBody>
+          <a:bodyPr rtlCol="0" anchor="ctr"/>
+          <a:lstStyle/>
+          <a:p>
+            <a:pPr algn="ctr"/>
+            <a:r>
+              <a:rPr lang="zh-CN" altLang="en-US" sz="4400" dirty="0">
+                <a:solidFill>
+                  <a:schemeClr val="bg1"/>
+                </a:solidFill>
+              </a:rPr>
+              <a:t>第</a:t>
+            </a:r>
+            <a:r>
+              <a:rPr lang="en-US" altLang="zh-CN" sz="4400" dirty="0">
+                <a:solidFill>
+                  <a:schemeClr val="bg1"/>
+                </a:solidFill>
+              </a:rPr>
+              <a:t>8</a:t>
+            </a:r>
+            <a:r>
+              <a:rPr lang="zh-CN" altLang="en-US" sz="4400" dirty="0">
+                <a:solidFill>
+                  <a:schemeClr val="bg1"/>
+                </a:solidFill>
+              </a:rPr>
+              <a:t>关</a:t>
+            </a:r>
+          </a:p>
+        </p:txBody>
+      </p:sp>
     </p:spTree>
     <p:extLst>
       <p:ext uri="{BB962C8B-B14F-4D97-AF65-F5344CB8AC3E}">
@@ -4745,6 +4820,76 @@
                 </a:solidFill>
               </a:rPr>
               <a:t>返回</a:t>
+            </a:r>
+          </a:p>
+        </p:txBody>
+      </p:sp>
+      <p:sp>
+        <p:nvSpPr>
+          <p:cNvPr id="5" name="矩形: 圆角 4">
+            <a:extLst>
+              <a:ext uri="{FF2B5EF4-FFF2-40B4-BE49-F238E27FC236}">
+                <a16:creationId xmlns:a16="http://schemas.microsoft.com/office/drawing/2014/main" id="{7FCF0720-82BE-8976-48EB-2C3F71D028D8}"/>
+              </a:ext>
+            </a:extLst>
+          </p:cNvPr>
+          <p:cNvSpPr/>
+          <p:nvPr/>
+        </p:nvSpPr>
+        <p:spPr>
+          <a:xfrm>
+            <a:off x="2703479" y="2490276"/>
+            <a:ext cx="2714017" cy="1245141"/>
+          </a:xfrm>
+          <a:prstGeom prst="roundRect">
+            <a:avLst/>
+          </a:prstGeom>
+          <a:noFill/>
+        </p:spPr>
+        <p:style>
+          <a:lnRef idx="2">
+            <a:schemeClr val="accent5">
+              <a:shade val="15000"/>
+            </a:schemeClr>
+          </a:lnRef>
+          <a:fillRef idx="1">
+            <a:schemeClr val="accent5"/>
+          </a:fillRef>
+          <a:effectRef idx="0">
+            <a:schemeClr val="accent5"/>
+          </a:effectRef>
+          <a:fontRef idx="minor">
+            <a:schemeClr val="lt1"/>
+          </a:fontRef>
+        </p:style>
+        <p:txBody>
+          <a:bodyPr rtlCol="0" anchor="ctr"/>
+          <a:lstStyle/>
+          <a:p>
+            <a:pPr algn="ctr"/>
+            <a:r>
+              <a:rPr lang="zh-CN" altLang="en-US" sz="4400" dirty="0">
+                <a:solidFill>
+                  <a:srgbClr val="FFE699"/>
+                </a:solidFill>
+              </a:rPr>
+              <a:t>第</a:t>
+            </a:r>
+            <a:r>
+              <a:rPr lang="en-US" altLang="zh-CN" sz="4400" dirty="0">
+                <a:solidFill>
+                  <a:srgbClr val="FFE699"/>
+                </a:solidFill>
+              </a:rPr>
+              <a:t>8</a:t>
+            </a:r>
+            <a:r>
+              <a:rPr lang="zh-CN" altLang="en-US" sz="4400" dirty="0">
+                <a:solidFill>
+                  <a:srgbClr val="FFE699"/>
+                </a:solidFill>
+              </a:rPr>
+              <a:t>关</a:t>
             </a:r>
           </a:p>
         </p:txBody>

--- a/fujian/按钮BUTTON.pptx
+++ b/fujian/按钮BUTTON.pptx
@@ -260,7 +260,7 @@
           <a:p>
             <a:fld id="{284A7B5E-02A5-4EC8-B12A-0B86AB4D9403}" type="datetimeFigureOut">
               <a:rPr lang="zh-CN" altLang="en-US" smtClean="0"/>
-              <a:t>2023/6/15</a:t>
+              <a:t>2023/7/1</a:t>
             </a:fld>
             <a:endParaRPr lang="zh-CN" altLang="en-US"/>
           </a:p>
@@ -458,7 +458,7 @@
           <a:p>
             <a:fld id="{284A7B5E-02A5-4EC8-B12A-0B86AB4D9403}" type="datetimeFigureOut">
               <a:rPr lang="zh-CN" altLang="en-US" smtClean="0"/>
-              <a:t>2023/6/15</a:t>
+              <a:t>2023/7/1</a:t>
             </a:fld>
             <a:endParaRPr lang="zh-CN" altLang="en-US"/>
           </a:p>
@@ -666,7 +666,7 @@
           <a:p>
             <a:fld id="{284A7B5E-02A5-4EC8-B12A-0B86AB4D9403}" type="datetimeFigureOut">
               <a:rPr lang="zh-CN" altLang="en-US" smtClean="0"/>
-              <a:t>2023/6/15</a:t>
+              <a:t>2023/7/1</a:t>
             </a:fld>
             <a:endParaRPr lang="zh-CN" altLang="en-US"/>
           </a:p>
@@ -864,7 +864,7 @@
           <a:p>
             <a:fld id="{284A7B5E-02A5-4EC8-B12A-0B86AB4D9403}" type="datetimeFigureOut">
               <a:rPr lang="zh-CN" altLang="en-US" smtClean="0"/>
-              <a:t>2023/6/15</a:t>
+              <a:t>2023/7/1</a:t>
             </a:fld>
             <a:endParaRPr lang="zh-CN" altLang="en-US"/>
           </a:p>
@@ -1139,7 +1139,7 @@
           <a:p>
             <a:fld id="{284A7B5E-02A5-4EC8-B12A-0B86AB4D9403}" type="datetimeFigureOut">
               <a:rPr lang="zh-CN" altLang="en-US" smtClean="0"/>
-              <a:t>2023/6/15</a:t>
+              <a:t>2023/7/1</a:t>
             </a:fld>
             <a:endParaRPr lang="zh-CN" altLang="en-US"/>
           </a:p>
@@ -1404,7 +1404,7 @@
           <a:p>
             <a:fld id="{284A7B5E-02A5-4EC8-B12A-0B86AB4D9403}" type="datetimeFigureOut">
               <a:rPr lang="zh-CN" altLang="en-US" smtClean="0"/>
-              <a:t>2023/6/15</a:t>
+              <a:t>2023/7/1</a:t>
             </a:fld>
             <a:endParaRPr lang="zh-CN" altLang="en-US"/>
           </a:p>
@@ -1816,7 +1816,7 @@
           <a:p>
             <a:fld id="{284A7B5E-02A5-4EC8-B12A-0B86AB4D9403}" type="datetimeFigureOut">
               <a:rPr lang="zh-CN" altLang="en-US" smtClean="0"/>
-              <a:t>2023/6/15</a:t>
+              <a:t>2023/7/1</a:t>
             </a:fld>
             <a:endParaRPr lang="zh-CN" altLang="en-US"/>
           </a:p>
@@ -1957,7 +1957,7 @@
           <a:p>
             <a:fld id="{284A7B5E-02A5-4EC8-B12A-0B86AB4D9403}" type="datetimeFigureOut">
               <a:rPr lang="zh-CN" altLang="en-US" smtClean="0"/>
-              <a:t>2023/6/15</a:t>
+              <a:t>2023/7/1</a:t>
             </a:fld>
             <a:endParaRPr lang="zh-CN" altLang="en-US"/>
           </a:p>
@@ -2070,7 +2070,7 @@
           <a:p>
             <a:fld id="{284A7B5E-02A5-4EC8-B12A-0B86AB4D9403}" type="datetimeFigureOut">
               <a:rPr lang="zh-CN" altLang="en-US" smtClean="0"/>
-              <a:t>2023/6/15</a:t>
+              <a:t>2023/7/1</a:t>
             </a:fld>
             <a:endParaRPr lang="zh-CN" altLang="en-US"/>
           </a:p>
@@ -2381,7 +2381,7 @@
           <a:p>
             <a:fld id="{284A7B5E-02A5-4EC8-B12A-0B86AB4D9403}" type="datetimeFigureOut">
               <a:rPr lang="zh-CN" altLang="en-US" smtClean="0"/>
-              <a:t>2023/6/15</a:t>
+              <a:t>2023/7/1</a:t>
             </a:fld>
             <a:endParaRPr lang="zh-CN" altLang="en-US"/>
           </a:p>
@@ -2669,7 +2669,7 @@
           <a:p>
             <a:fld id="{284A7B5E-02A5-4EC8-B12A-0B86AB4D9403}" type="datetimeFigureOut">
               <a:rPr lang="zh-CN" altLang="en-US" smtClean="0"/>
-              <a:t>2023/6/15</a:t>
+              <a:t>2023/7/1</a:t>
             </a:fld>
             <a:endParaRPr lang="zh-CN" altLang="en-US"/>
           </a:p>
@@ -2910,7 +2910,7 @@
           <a:p>
             <a:fld id="{284A7B5E-02A5-4EC8-B12A-0B86AB4D9403}" type="datetimeFigureOut">
               <a:rPr lang="zh-CN" altLang="en-US" smtClean="0"/>
-              <a:t>2023/6/15</a:t>
+              <a:t>2023/7/1</a:t>
             </a:fld>
             <a:endParaRPr lang="zh-CN" altLang="en-US"/>
           </a:p>
@@ -3989,62 +3989,6 @@
       </p:sp>
       <p:sp>
         <p:nvSpPr>
-          <p:cNvPr id="3" name="矩形: 圆角 2">
-            <a:extLst>
-              <a:ext uri="{FF2B5EF4-FFF2-40B4-BE49-F238E27FC236}">
-                <a16:creationId xmlns:a16="http://schemas.microsoft.com/office/drawing/2014/main" id="{724BD1C9-71E9-AEC6-F186-41469DCBA8E0}"/>
-              </a:ext>
-            </a:extLst>
-          </p:cNvPr>
-          <p:cNvSpPr/>
-          <p:nvPr/>
-        </p:nvSpPr>
-        <p:spPr>
-          <a:xfrm>
-            <a:off x="9415512" y="3528077"/>
-            <a:ext cx="2714017" cy="1245141"/>
-          </a:xfrm>
-          <a:prstGeom prst="roundRect">
-            <a:avLst/>
-          </a:prstGeom>
-          <a:solidFill>
-            <a:srgbClr val="8EFF05"/>
-          </a:solidFill>
-        </p:spPr>
-        <p:style>
-          <a:lnRef idx="2">
-            <a:schemeClr val="accent6">
-              <a:shade val="15000"/>
-            </a:schemeClr>
-          </a:lnRef>
-          <a:fillRef idx="1">
-            <a:schemeClr val="accent6"/>
-          </a:fillRef>
-          <a:effectRef idx="0">
-            <a:schemeClr val="accent6"/>
-          </a:effectRef>
-          <a:fontRef idx="minor">
-            <a:schemeClr val="lt1"/>
-          </a:fontRef>
-        </p:style>
-        <p:txBody>
-          <a:bodyPr rtlCol="0" anchor="ctr"/>
-          <a:lstStyle/>
-          <a:p>
-            <a:pPr algn="ctr"/>
-            <a:r>
-              <a:rPr lang="zh-CN" altLang="en-US" sz="4400" dirty="0">
-                <a:solidFill>
-                  <a:schemeClr val="bg1"/>
-                </a:solidFill>
-              </a:rPr>
-              <a:t>返回</a:t>
-            </a:r>
-          </a:p>
-        </p:txBody>
-      </p:sp>
-      <p:sp>
-        <p:nvSpPr>
           <p:cNvPr id="5" name="矩形: 圆角 4">
             <a:extLst>
               <a:ext uri="{FF2B5EF4-FFF2-40B4-BE49-F238E27FC236}">
@@ -4118,6 +4062,200 @@
           </a:p>
         </p:txBody>
       </p:sp>
+      <p:sp>
+        <p:nvSpPr>
+          <p:cNvPr id="7" name="矩形: 圆角 6">
+            <a:extLst>
+              <a:ext uri="{FF2B5EF4-FFF2-40B4-BE49-F238E27FC236}">
+                <a16:creationId xmlns:a16="http://schemas.microsoft.com/office/drawing/2014/main" id="{ED0C28D7-DABF-F951-8152-41819794A8B2}"/>
+              </a:ext>
+            </a:extLst>
+          </p:cNvPr>
+          <p:cNvSpPr/>
+          <p:nvPr/>
+        </p:nvSpPr>
+        <p:spPr>
+          <a:xfrm>
+            <a:off x="9415510" y="4690538"/>
+            <a:ext cx="2714017" cy="1245141"/>
+          </a:xfrm>
+          <a:prstGeom prst="roundRect">
+            <a:avLst/>
+          </a:prstGeom>
+          <a:solidFill>
+            <a:srgbClr val="FF0000"/>
+          </a:solidFill>
+          <a:ln>
+            <a:solidFill>
+              <a:schemeClr val="tx1"/>
+            </a:solidFill>
+          </a:ln>
+        </p:spPr>
+        <p:style>
+          <a:lnRef idx="2">
+            <a:schemeClr val="accent6">
+              <a:shade val="15000"/>
+            </a:schemeClr>
+          </a:lnRef>
+          <a:fillRef idx="1">
+            <a:schemeClr val="accent6"/>
+          </a:fillRef>
+          <a:effectRef idx="0">
+            <a:schemeClr val="accent6"/>
+          </a:effectRef>
+          <a:fontRef idx="minor">
+            <a:schemeClr val="lt1"/>
+          </a:fontRef>
+        </p:style>
+        <p:txBody>
+          <a:bodyPr rtlCol="0" anchor="ctr"/>
+          <a:lstStyle/>
+          <a:p>
+            <a:pPr algn="ctr"/>
+            <a:r>
+              <a:rPr lang="zh-CN" altLang="en-US" sz="4400" dirty="0">
+                <a:solidFill>
+                  <a:schemeClr val="bg1"/>
+                </a:solidFill>
+              </a:rPr>
+              <a:t>下一关</a:t>
+            </a:r>
+          </a:p>
+        </p:txBody>
+      </p:sp>
+      <p:grpSp>
+        <p:nvGrpSpPr>
+          <p:cNvPr id="10" name="组合 9">
+            <a:extLst>
+              <a:ext uri="{FF2B5EF4-FFF2-40B4-BE49-F238E27FC236}">
+                <a16:creationId xmlns:a16="http://schemas.microsoft.com/office/drawing/2014/main" id="{9CBEE1B3-E837-C640-43DD-CB791D52C50B}"/>
+              </a:ext>
+            </a:extLst>
+          </p:cNvPr>
+          <p:cNvGrpSpPr/>
+          <p:nvPr/>
+        </p:nvGrpSpPr>
+        <p:grpSpPr>
+          <a:xfrm>
+            <a:off x="9415510" y="3429000"/>
+            <a:ext cx="2714017" cy="1245141"/>
+            <a:chOff x="9415512" y="3528077"/>
+            <a:chExt cx="2714017" cy="1245141"/>
+          </a:xfrm>
+        </p:grpSpPr>
+        <p:sp>
+          <p:nvSpPr>
+            <p:cNvPr id="3" name="矩形: 圆角 2">
+              <a:extLst>
+                <a:ext uri="{FF2B5EF4-FFF2-40B4-BE49-F238E27FC236}">
+                  <a16:creationId xmlns:a16="http://schemas.microsoft.com/office/drawing/2014/main" id="{724BD1C9-71E9-AEC6-F186-41469DCBA8E0}"/>
+                </a:ext>
+              </a:extLst>
+            </p:cNvPr>
+            <p:cNvSpPr/>
+            <p:nvPr/>
+          </p:nvSpPr>
+          <p:spPr>
+            <a:xfrm>
+              <a:off x="9415512" y="3528077"/>
+              <a:ext cx="2714017" cy="1245141"/>
+            </a:xfrm>
+            <a:prstGeom prst="roundRect">
+              <a:avLst/>
+            </a:prstGeom>
+            <a:solidFill>
+              <a:srgbClr val="8EFF05"/>
+            </a:solidFill>
+          </p:spPr>
+          <p:style>
+            <a:lnRef idx="2">
+              <a:schemeClr val="accent6">
+                <a:shade val="15000"/>
+              </a:schemeClr>
+            </a:lnRef>
+            <a:fillRef idx="1">
+              <a:schemeClr val="accent6"/>
+            </a:fillRef>
+            <a:effectRef idx="0">
+              <a:schemeClr val="accent6"/>
+            </a:effectRef>
+            <a:fontRef idx="minor">
+              <a:schemeClr val="lt1"/>
+            </a:fontRef>
+          </p:style>
+          <p:txBody>
+            <a:bodyPr rtlCol="0" anchor="ctr"/>
+            <a:lstStyle/>
+            <a:p>
+              <a:pPr algn="ctr"/>
+              <a:r>
+                <a:rPr lang="zh-CN" altLang="en-US" sz="4400" dirty="0">
+                  <a:solidFill>
+                    <a:schemeClr val="bg1"/>
+                  </a:solidFill>
+                </a:rPr>
+                <a:t>     返回</a:t>
+              </a:r>
+            </a:p>
+          </p:txBody>
+        </p:sp>
+        <p:sp>
+          <p:nvSpPr>
+            <p:cNvPr id="8" name="箭头: 右 7">
+              <a:extLst>
+                <a:ext uri="{FF2B5EF4-FFF2-40B4-BE49-F238E27FC236}">
+                  <a16:creationId xmlns:a16="http://schemas.microsoft.com/office/drawing/2014/main" id="{E4602F61-CF97-FD2A-D030-C044F8D32737}"/>
+                </a:ext>
+              </a:extLst>
+            </p:cNvPr>
+            <p:cNvSpPr/>
+            <p:nvPr/>
+          </p:nvSpPr>
+          <p:spPr>
+            <a:xfrm rot="10800000">
+              <a:off x="9552585" y="3862755"/>
+              <a:ext cx="905309" cy="576170"/>
+            </a:xfrm>
+            <a:prstGeom prst="rightArrow">
+              <a:avLst/>
+            </a:prstGeom>
+            <a:solidFill>
+              <a:schemeClr val="accent6">
+                <a:lumMod val="75000"/>
+              </a:schemeClr>
+            </a:solidFill>
+            <a:ln w="38100">
+              <a:solidFill>
+                <a:schemeClr val="tx1"/>
+              </a:solidFill>
+            </a:ln>
+          </p:spPr>
+          <p:style>
+            <a:lnRef idx="2">
+              <a:schemeClr val="accent1">
+                <a:shade val="15000"/>
+              </a:schemeClr>
+            </a:lnRef>
+            <a:fillRef idx="1">
+              <a:schemeClr val="accent1"/>
+            </a:fillRef>
+            <a:effectRef idx="0">
+              <a:schemeClr val="accent1"/>
+            </a:effectRef>
+            <a:fontRef idx="minor">
+              <a:schemeClr val="lt1"/>
+            </a:fontRef>
+          </p:style>
+          <p:txBody>
+            <a:bodyPr rtlCol="0" anchor="ctr"/>
+            <a:lstStyle/>
+            <a:p>
+              <a:pPr algn="ctr"/>
+              <a:endParaRPr lang="zh-CN" altLang="en-US"/>
+            </a:p>
+          </p:txBody>
+        </p:sp>
+      </p:grpSp>
     </p:spTree>
     <p:extLst>
       <p:ext uri="{BB962C8B-B14F-4D97-AF65-F5344CB8AC3E}">
@@ -4517,7 +4655,7 @@
         </p:nvSpPr>
         <p:spPr>
           <a:xfrm>
-            <a:off x="5455748" y="1245139"/>
+            <a:off x="5428034" y="1245139"/>
             <a:ext cx="2714017" cy="1245141"/>
           </a:xfrm>
           <a:prstGeom prst="roundRect">
@@ -4767,10 +4905,10 @@
       </p:sp>
       <p:sp>
         <p:nvSpPr>
-          <p:cNvPr id="3" name="矩形: 圆角 2">
-            <a:extLst>
-              <a:ext uri="{FF2B5EF4-FFF2-40B4-BE49-F238E27FC236}">
-                <a16:creationId xmlns:a16="http://schemas.microsoft.com/office/drawing/2014/main" id="{565687D9-5D4D-48E1-2F14-98DCEB1DEAAA}"/>
+          <p:cNvPr id="5" name="矩形: 圆角 4">
+            <a:extLst>
+              <a:ext uri="{FF2B5EF4-FFF2-40B4-BE49-F238E27FC236}">
+                <a16:creationId xmlns:a16="http://schemas.microsoft.com/office/drawing/2014/main" id="{7FCF0720-82BE-8976-48EB-2C3F71D028D8}"/>
               </a:ext>
             </a:extLst>
           </p:cNvPr>
@@ -4779,7 +4917,214 @@
         </p:nvSpPr>
         <p:spPr>
           <a:xfrm>
-            <a:off x="9415512" y="3528077"/>
+            <a:off x="2703479" y="2490276"/>
+            <a:ext cx="2714017" cy="1245141"/>
+          </a:xfrm>
+          <a:prstGeom prst="roundRect">
+            <a:avLst/>
+          </a:prstGeom>
+          <a:noFill/>
+        </p:spPr>
+        <p:style>
+          <a:lnRef idx="2">
+            <a:schemeClr val="accent5">
+              <a:shade val="15000"/>
+            </a:schemeClr>
+          </a:lnRef>
+          <a:fillRef idx="1">
+            <a:schemeClr val="accent5"/>
+          </a:fillRef>
+          <a:effectRef idx="0">
+            <a:schemeClr val="accent5"/>
+          </a:effectRef>
+          <a:fontRef idx="minor">
+            <a:schemeClr val="lt1"/>
+          </a:fontRef>
+        </p:style>
+        <p:txBody>
+          <a:bodyPr rtlCol="0" anchor="ctr"/>
+          <a:lstStyle/>
+          <a:p>
+            <a:pPr algn="ctr"/>
+            <a:r>
+              <a:rPr lang="zh-CN" altLang="en-US" sz="4400" dirty="0">
+                <a:solidFill>
+                  <a:srgbClr val="FFE699"/>
+                </a:solidFill>
+              </a:rPr>
+              <a:t>第</a:t>
+            </a:r>
+            <a:r>
+              <a:rPr lang="en-US" altLang="zh-CN" sz="4400" dirty="0">
+                <a:solidFill>
+                  <a:srgbClr val="FFE699"/>
+                </a:solidFill>
+              </a:rPr>
+              <a:t>8</a:t>
+            </a:r>
+            <a:r>
+              <a:rPr lang="zh-CN" altLang="en-US" sz="4400" dirty="0">
+                <a:solidFill>
+                  <a:srgbClr val="FFE699"/>
+                </a:solidFill>
+              </a:rPr>
+              <a:t>关</a:t>
+            </a:r>
+          </a:p>
+        </p:txBody>
+      </p:sp>
+      <p:grpSp>
+        <p:nvGrpSpPr>
+          <p:cNvPr id="12" name="组合 11">
+            <a:extLst>
+              <a:ext uri="{FF2B5EF4-FFF2-40B4-BE49-F238E27FC236}">
+                <a16:creationId xmlns:a16="http://schemas.microsoft.com/office/drawing/2014/main" id="{90AE7E54-08BA-AD21-F293-981E25C5A899}"/>
+              </a:ext>
+            </a:extLst>
+          </p:cNvPr>
+          <p:cNvGrpSpPr/>
+          <p:nvPr/>
+        </p:nvGrpSpPr>
+        <p:grpSpPr>
+          <a:xfrm>
+            <a:off x="9415512" y="3472224"/>
+            <a:ext cx="2714017" cy="1245141"/>
+            <a:chOff x="9415512" y="4773218"/>
+            <a:chExt cx="2714017" cy="1245141"/>
+          </a:xfrm>
+        </p:grpSpPr>
+        <p:sp>
+          <p:nvSpPr>
+            <p:cNvPr id="10" name="矩形: 圆角 9">
+              <a:extLst>
+                <a:ext uri="{FF2B5EF4-FFF2-40B4-BE49-F238E27FC236}">
+                  <a16:creationId xmlns:a16="http://schemas.microsoft.com/office/drawing/2014/main" id="{AE0033FD-997A-45CC-62CF-411B425E7D14}"/>
+                </a:ext>
+              </a:extLst>
+            </p:cNvPr>
+            <p:cNvSpPr/>
+            <p:nvPr/>
+          </p:nvSpPr>
+          <p:spPr>
+            <a:xfrm>
+              <a:off x="9415512" y="4773218"/>
+              <a:ext cx="2714017" cy="1245141"/>
+            </a:xfrm>
+            <a:prstGeom prst="roundRect">
+              <a:avLst/>
+            </a:prstGeom>
+            <a:noFill/>
+          </p:spPr>
+          <p:style>
+            <a:lnRef idx="2">
+              <a:schemeClr val="accent6">
+                <a:shade val="15000"/>
+              </a:schemeClr>
+            </a:lnRef>
+            <a:fillRef idx="1">
+              <a:schemeClr val="accent6"/>
+            </a:fillRef>
+            <a:effectRef idx="0">
+              <a:schemeClr val="accent6"/>
+            </a:effectRef>
+            <a:fontRef idx="minor">
+              <a:schemeClr val="lt1"/>
+            </a:fontRef>
+          </p:style>
+          <p:txBody>
+            <a:bodyPr rtlCol="0" anchor="ctr"/>
+            <a:lstStyle/>
+            <a:p>
+              <a:pPr algn="ctr"/>
+              <a:r>
+                <a:rPr lang="zh-CN" altLang="en-US" sz="4400" dirty="0">
+                  <a:solidFill>
+                    <a:schemeClr val="bg1"/>
+                  </a:solidFill>
+                </a:rPr>
+                <a:t>     </a:t>
+              </a:r>
+              <a:r>
+                <a:rPr lang="zh-CN" altLang="en-US" sz="4400" dirty="0">
+                  <a:solidFill>
+                    <a:srgbClr val="8EFF05"/>
+                  </a:solidFill>
+                </a:rPr>
+                <a:t>返回</a:t>
+              </a:r>
+            </a:p>
+          </p:txBody>
+        </p:sp>
+        <p:sp>
+          <p:nvSpPr>
+            <p:cNvPr id="11" name="箭头: 右 10">
+              <a:extLst>
+                <a:ext uri="{FF2B5EF4-FFF2-40B4-BE49-F238E27FC236}">
+                  <a16:creationId xmlns:a16="http://schemas.microsoft.com/office/drawing/2014/main" id="{AEC1AFF7-DC34-3EF5-5223-E9092782B5AE}"/>
+                </a:ext>
+              </a:extLst>
+            </p:cNvPr>
+            <p:cNvSpPr/>
+            <p:nvPr/>
+          </p:nvSpPr>
+          <p:spPr>
+            <a:xfrm rot="10800000">
+              <a:off x="9552585" y="5107896"/>
+              <a:ext cx="905309" cy="576170"/>
+            </a:xfrm>
+            <a:prstGeom prst="rightArrow">
+              <a:avLst/>
+            </a:prstGeom>
+            <a:noFill/>
+            <a:ln w="38100">
+              <a:solidFill>
+                <a:schemeClr val="accent6">
+                  <a:lumMod val="75000"/>
+                </a:schemeClr>
+              </a:solidFill>
+            </a:ln>
+          </p:spPr>
+          <p:style>
+            <a:lnRef idx="2">
+              <a:schemeClr val="accent1">
+                <a:shade val="15000"/>
+              </a:schemeClr>
+            </a:lnRef>
+            <a:fillRef idx="1">
+              <a:schemeClr val="accent1"/>
+            </a:fillRef>
+            <a:effectRef idx="0">
+              <a:schemeClr val="accent1"/>
+            </a:effectRef>
+            <a:fontRef idx="minor">
+              <a:schemeClr val="lt1"/>
+            </a:fontRef>
+          </p:style>
+          <p:txBody>
+            <a:bodyPr rtlCol="0" anchor="ctr"/>
+            <a:lstStyle/>
+            <a:p>
+              <a:pPr algn="ctr"/>
+              <a:endParaRPr lang="zh-CN" altLang="en-US"/>
+            </a:p>
+          </p:txBody>
+        </p:sp>
+      </p:grpSp>
+      <p:sp>
+        <p:nvSpPr>
+          <p:cNvPr id="18" name="矩形: 圆角 17">
+            <a:extLst>
+              <a:ext uri="{FF2B5EF4-FFF2-40B4-BE49-F238E27FC236}">
+                <a16:creationId xmlns:a16="http://schemas.microsoft.com/office/drawing/2014/main" id="{171E3CFF-D2A4-F522-02CE-CAF6B9144371}"/>
+              </a:ext>
+            </a:extLst>
+          </p:cNvPr>
+          <p:cNvSpPr/>
+          <p:nvPr/>
+        </p:nvSpPr>
+        <p:spPr>
+          <a:xfrm>
+            <a:off x="9461224" y="4753925"/>
             <a:ext cx="2714017" cy="1245141"/>
           </a:xfrm>
           <a:prstGeom prst="roundRect">
@@ -4816,80 +5161,10 @@
             <a:r>
               <a:rPr lang="zh-CN" altLang="en-US" sz="4400" dirty="0">
                 <a:solidFill>
-                  <a:srgbClr val="8EFF05"/>
+                  <a:srgbClr val="FF0000"/>
                 </a:solidFill>
               </a:rPr>
-              <a:t>返回</a:t>
-            </a:r>
-          </a:p>
-        </p:txBody>
-      </p:sp>
-      <p:sp>
-        <p:nvSpPr>
-          <p:cNvPr id="5" name="矩形: 圆角 4">
-            <a:extLst>
-              <a:ext uri="{FF2B5EF4-FFF2-40B4-BE49-F238E27FC236}">
-                <a16:creationId xmlns:a16="http://schemas.microsoft.com/office/drawing/2014/main" id="{7FCF0720-82BE-8976-48EB-2C3F71D028D8}"/>
-              </a:ext>
-            </a:extLst>
-          </p:cNvPr>
-          <p:cNvSpPr/>
-          <p:nvPr/>
-        </p:nvSpPr>
-        <p:spPr>
-          <a:xfrm>
-            <a:off x="2703479" y="2490276"/>
-            <a:ext cx="2714017" cy="1245141"/>
-          </a:xfrm>
-          <a:prstGeom prst="roundRect">
-            <a:avLst/>
-          </a:prstGeom>
-          <a:noFill/>
-        </p:spPr>
-        <p:style>
-          <a:lnRef idx="2">
-            <a:schemeClr val="accent5">
-              <a:shade val="15000"/>
-            </a:schemeClr>
-          </a:lnRef>
-          <a:fillRef idx="1">
-            <a:schemeClr val="accent5"/>
-          </a:fillRef>
-          <a:effectRef idx="0">
-            <a:schemeClr val="accent5"/>
-          </a:effectRef>
-          <a:fontRef idx="minor">
-            <a:schemeClr val="lt1"/>
-          </a:fontRef>
-        </p:style>
-        <p:txBody>
-          <a:bodyPr rtlCol="0" anchor="ctr"/>
-          <a:lstStyle/>
-          <a:p>
-            <a:pPr algn="ctr"/>
-            <a:r>
-              <a:rPr lang="zh-CN" altLang="en-US" sz="4400" dirty="0">
-                <a:solidFill>
-                  <a:srgbClr val="FFE699"/>
-                </a:solidFill>
-              </a:rPr>
-              <a:t>第</a:t>
-            </a:r>
-            <a:r>
-              <a:rPr lang="en-US" altLang="zh-CN" sz="4400" dirty="0">
-                <a:solidFill>
-                  <a:srgbClr val="FFE699"/>
-                </a:solidFill>
-              </a:rPr>
-              <a:t>8</a:t>
-            </a:r>
-            <a:r>
-              <a:rPr lang="zh-CN" altLang="en-US" sz="4400" dirty="0">
-                <a:solidFill>
-                  <a:srgbClr val="FFE699"/>
-                </a:solidFill>
-              </a:rPr>
-              <a:t>关</a:t>
+              <a:t>下一关</a:t>
             </a:r>
           </a:p>
         </p:txBody>
